--- a/practice_basic/fig/fig.pptx
+++ b/practice_basic/fig/fig.pptx
@@ -5,8 +5,11 @@
     <p:sldMasterId id="2147483660" r:id="rId1"/>
   </p:sldMasterIdLst>
   <p:sldIdLst>
-    <p:sldId id="256" r:id="rId2"/>
-    <p:sldId id="257" r:id="rId3"/>
+    <p:sldId id="258" r:id="rId2"/>
+    <p:sldId id="256" r:id="rId3"/>
+    <p:sldId id="257" r:id="rId4"/>
+    <p:sldId id="259" r:id="rId5"/>
+    <p:sldId id="260" r:id="rId6"/>
   </p:sldIdLst>
   <p:sldSz cx="9144000" cy="6858000" type="screen4x3"/>
   <p:notesSz cx="6858000" cy="9144000"/>
@@ -489,6 +492,200 @@
       </p:grpSpPr>
       <p:pic>
         <p:nvPicPr>
+          <p:cNvPr id="3" name="図 2">
+            <a:extLst>
+              <a:ext uri="{FF2B5EF4-FFF2-40B4-BE49-F238E27FC236}">
+                <a16:creationId xmlns:a16="http://schemas.microsoft.com/office/drawing/2014/main" id="{B7095DCA-A40C-8A2E-8710-65E1648A84D0}"/>
+              </a:ext>
+            </a:extLst>
+          </p:cNvPr>
+          <p:cNvPicPr>
+            <a:picLocks noChangeAspect="1"/>
+          </p:cNvPicPr>
+          <p:nvPr/>
+        </p:nvPicPr>
+        <p:blipFill>
+          <a:blip r:embed="rId2"/>
+          <a:stretch>
+            <a:fillRect/>
+          </a:stretch>
+        </p:blipFill>
+        <p:spPr>
+          <a:xfrm>
+            <a:off x="550470" y="909933"/>
+            <a:ext cx="5828342" cy="1670707"/>
+          </a:xfrm>
+          <a:prstGeom prst="rect">
+            <a:avLst/>
+          </a:prstGeom>
+        </p:spPr>
+      </p:pic>
+      <p:sp>
+        <p:nvSpPr>
+          <p:cNvPr id="4" name="楕円 3">
+            <a:extLst>
+              <a:ext uri="{FF2B5EF4-FFF2-40B4-BE49-F238E27FC236}">
+                <a16:creationId xmlns:a16="http://schemas.microsoft.com/office/drawing/2014/main" id="{F001A522-B0A5-92C8-D66B-7D947330740E}"/>
+              </a:ext>
+            </a:extLst>
+          </p:cNvPr>
+          <p:cNvSpPr/>
+          <p:nvPr/>
+        </p:nvSpPr>
+        <p:spPr>
+          <a:xfrm>
+            <a:off x="1900218" y="1307212"/>
+            <a:ext cx="262508" cy="262508"/>
+          </a:xfrm>
+          <a:prstGeom prst="ellipse">
+            <a:avLst/>
+          </a:prstGeom>
+          <a:noFill/>
+          <a:ln w="28575">
+            <a:solidFill>
+              <a:srgbClr val="FF0000"/>
+            </a:solidFill>
+          </a:ln>
+        </p:spPr>
+        <p:style>
+          <a:lnRef idx="2">
+            <a:schemeClr val="accent1">
+              <a:shade val="50000"/>
+            </a:schemeClr>
+          </a:lnRef>
+          <a:fillRef idx="1">
+            <a:schemeClr val="accent1"/>
+          </a:fillRef>
+          <a:effectRef idx="0">
+            <a:schemeClr val="accent1"/>
+          </a:effectRef>
+          <a:fontRef idx="minor">
+            <a:schemeClr val="lt1"/>
+          </a:fontRef>
+        </p:style>
+        <p:txBody>
+          <a:bodyPr rtlCol="0" anchor="ctr"/>
+          <a:lstStyle/>
+          <a:p>
+            <a:pPr algn="ctr"/>
+            <a:endParaRPr kumimoji="1" lang="ja-JP" altLang="en-US"/>
+          </a:p>
+        </p:txBody>
+      </p:sp>
+      <p:pic>
+        <p:nvPicPr>
+          <p:cNvPr id="6" name="図 5">
+            <a:extLst>
+              <a:ext uri="{FF2B5EF4-FFF2-40B4-BE49-F238E27FC236}">
+                <a16:creationId xmlns:a16="http://schemas.microsoft.com/office/drawing/2014/main" id="{1AD8D9E6-83A0-7204-E5DF-FE2C32D88137}"/>
+              </a:ext>
+            </a:extLst>
+          </p:cNvPr>
+          <p:cNvPicPr>
+            <a:picLocks noChangeAspect="1"/>
+          </p:cNvPicPr>
+          <p:nvPr/>
+        </p:nvPicPr>
+        <p:blipFill>
+          <a:blip r:embed="rId3"/>
+          <a:stretch>
+            <a:fillRect/>
+          </a:stretch>
+        </p:blipFill>
+        <p:spPr>
+          <a:xfrm>
+            <a:off x="547205" y="3012961"/>
+            <a:ext cx="5723660" cy="1794171"/>
+          </a:xfrm>
+          <a:prstGeom prst="rect">
+            <a:avLst/>
+          </a:prstGeom>
+        </p:spPr>
+      </p:pic>
+      <p:sp>
+        <p:nvSpPr>
+          <p:cNvPr id="7" name="楕円 6">
+            <a:extLst>
+              <a:ext uri="{FF2B5EF4-FFF2-40B4-BE49-F238E27FC236}">
+                <a16:creationId xmlns:a16="http://schemas.microsoft.com/office/drawing/2014/main" id="{F188F175-2484-7BE8-6F2B-EAEABDDA2397}"/>
+              </a:ext>
+            </a:extLst>
+          </p:cNvPr>
+          <p:cNvSpPr/>
+          <p:nvPr/>
+        </p:nvSpPr>
+        <p:spPr>
+          <a:xfrm>
+            <a:off x="2017784" y="3410332"/>
+            <a:ext cx="262508" cy="262508"/>
+          </a:xfrm>
+          <a:prstGeom prst="ellipse">
+            <a:avLst/>
+          </a:prstGeom>
+          <a:noFill/>
+          <a:ln w="28575">
+            <a:solidFill>
+              <a:srgbClr val="FF0000"/>
+            </a:solidFill>
+          </a:ln>
+        </p:spPr>
+        <p:style>
+          <a:lnRef idx="2">
+            <a:schemeClr val="accent1">
+              <a:shade val="50000"/>
+            </a:schemeClr>
+          </a:lnRef>
+          <a:fillRef idx="1">
+            <a:schemeClr val="accent1"/>
+          </a:fillRef>
+          <a:effectRef idx="0">
+            <a:schemeClr val="accent1"/>
+          </a:effectRef>
+          <a:fontRef idx="minor">
+            <a:schemeClr val="lt1"/>
+          </a:fontRef>
+        </p:style>
+        <p:txBody>
+          <a:bodyPr rtlCol="0" anchor="ctr"/>
+          <a:lstStyle/>
+          <a:p>
+            <a:pPr algn="ctr"/>
+            <a:endParaRPr kumimoji="1" lang="ja-JP" altLang="en-US"/>
+          </a:p>
+        </p:txBody>
+      </p:sp>
+    </p:spTree>
+    <p:extLst>
+      <p:ext uri="{BB962C8B-B14F-4D97-AF65-F5344CB8AC3E}">
+        <p14:creationId xmlns:p14="http://schemas.microsoft.com/office/powerpoint/2010/main" val="3673189352"/>
+      </p:ext>
+    </p:extLst>
+  </p:cSld>
+  <p:clrMapOvr>
+    <a:masterClrMapping/>
+  </p:clrMapOvr>
+</p:sld>
+</file>
+
+<file path=ppt/slides/slide2.xml><?xml version="1.0" encoding="utf-8"?>
+<p:sld xmlns:a="http://schemas.openxmlformats.org/drawingml/2006/main" xmlns:r="http://schemas.openxmlformats.org/officeDocument/2006/relationships" xmlns:p="http://schemas.openxmlformats.org/presentationml/2006/main">
+  <p:cSld>
+    <p:spTree>
+      <p:nvGrpSpPr>
+        <p:cNvPr id="1" name=""/>
+        <p:cNvGrpSpPr/>
+        <p:nvPr/>
+      </p:nvGrpSpPr>
+      <p:grpSpPr>
+        <a:xfrm>
+          <a:off x="0" y="0"/>
+          <a:ext cx="0" cy="0"/>
+          <a:chOff x="0" y="0"/>
+          <a:chExt cx="0" cy="0"/>
+        </a:xfrm>
+      </p:grpSpPr>
+      <p:pic>
+        <p:nvPicPr>
           <p:cNvPr id="5" name="図 4" descr="黒い画面のスクリーンショット&#10;&#10;自動的に生成された説明">
             <a:extLst>
               <a:ext uri="{FF2B5EF4-FFF2-40B4-BE49-F238E27FC236}">
@@ -582,7 +779,7 @@
 </p:sld>
 </file>
 
-<file path=ppt/slides/slide2.xml><?xml version="1.0" encoding="utf-8"?>
+<file path=ppt/slides/slide3.xml><?xml version="1.0" encoding="utf-8"?>
 <p:sld xmlns:a="http://schemas.openxmlformats.org/drawingml/2006/main" xmlns:r="http://schemas.openxmlformats.org/officeDocument/2006/relationships" xmlns:p="http://schemas.openxmlformats.org/presentationml/2006/main">
   <p:cSld>
     <p:spTree>
@@ -819,6 +1016,282 @@
     <p:extLst>
       <p:ext uri="{BB962C8B-B14F-4D97-AF65-F5344CB8AC3E}">
         <p14:creationId xmlns:p14="http://schemas.microsoft.com/office/powerpoint/2010/main" val="875102308"/>
+      </p:ext>
+    </p:extLst>
+  </p:cSld>
+  <p:clrMapOvr>
+    <a:masterClrMapping/>
+  </p:clrMapOvr>
+</p:sld>
+</file>
+
+<file path=ppt/slides/slide4.xml><?xml version="1.0" encoding="utf-8"?>
+<p:sld xmlns:a="http://schemas.openxmlformats.org/drawingml/2006/main" xmlns:r="http://schemas.openxmlformats.org/officeDocument/2006/relationships" xmlns:p="http://schemas.openxmlformats.org/presentationml/2006/main">
+  <p:cSld>
+    <p:spTree>
+      <p:nvGrpSpPr>
+        <p:cNvPr id="1" name=""/>
+        <p:cNvGrpSpPr/>
+        <p:nvPr/>
+      </p:nvGrpSpPr>
+      <p:grpSpPr>
+        <a:xfrm>
+          <a:off x="0" y="0"/>
+          <a:ext cx="0" cy="0"/>
+          <a:chOff x="0" y="0"/>
+          <a:chExt cx="0" cy="0"/>
+        </a:xfrm>
+      </p:grpSpPr>
+      <p:pic>
+        <p:nvPicPr>
+          <p:cNvPr id="2" name="図 1">
+            <a:extLst>
+              <a:ext uri="{FF2B5EF4-FFF2-40B4-BE49-F238E27FC236}">
+                <a16:creationId xmlns:a16="http://schemas.microsoft.com/office/drawing/2014/main" id="{AE72737E-29F7-C43A-97D0-917AD15009A7}"/>
+              </a:ext>
+            </a:extLst>
+          </p:cNvPr>
+          <p:cNvPicPr>
+            <a:picLocks noChangeAspect="1"/>
+          </p:cNvPicPr>
+          <p:nvPr/>
+        </p:nvPicPr>
+        <p:blipFill>
+          <a:blip r:embed="rId2"/>
+          <a:stretch>
+            <a:fillRect/>
+          </a:stretch>
+        </p:blipFill>
+        <p:spPr>
+          <a:xfrm>
+            <a:off x="1089491" y="1266680"/>
+            <a:ext cx="6796853" cy="3096344"/>
+          </a:xfrm>
+          <a:prstGeom prst="rect">
+            <a:avLst/>
+          </a:prstGeom>
+        </p:spPr>
+      </p:pic>
+      <p:sp>
+        <p:nvSpPr>
+          <p:cNvPr id="3" name="楕円 2">
+            <a:extLst>
+              <a:ext uri="{FF2B5EF4-FFF2-40B4-BE49-F238E27FC236}">
+                <a16:creationId xmlns:a16="http://schemas.microsoft.com/office/drawing/2014/main" id="{F7996EF1-7F72-2BA0-D400-B20B31873339}"/>
+              </a:ext>
+            </a:extLst>
+          </p:cNvPr>
+          <p:cNvSpPr/>
+          <p:nvPr/>
+        </p:nvSpPr>
+        <p:spPr>
+          <a:xfrm>
+            <a:off x="4287818" y="3237612"/>
+            <a:ext cx="379348" cy="379348"/>
+          </a:xfrm>
+          <a:prstGeom prst="ellipse">
+            <a:avLst/>
+          </a:prstGeom>
+          <a:noFill/>
+          <a:ln w="28575">
+            <a:solidFill>
+              <a:srgbClr val="FF0000"/>
+            </a:solidFill>
+          </a:ln>
+        </p:spPr>
+        <p:style>
+          <a:lnRef idx="2">
+            <a:schemeClr val="accent1">
+              <a:shade val="50000"/>
+            </a:schemeClr>
+          </a:lnRef>
+          <a:fillRef idx="1">
+            <a:schemeClr val="accent1"/>
+          </a:fillRef>
+          <a:effectRef idx="0">
+            <a:schemeClr val="accent1"/>
+          </a:effectRef>
+          <a:fontRef idx="minor">
+            <a:schemeClr val="lt1"/>
+          </a:fontRef>
+        </p:style>
+        <p:txBody>
+          <a:bodyPr rtlCol="0" anchor="ctr"/>
+          <a:lstStyle/>
+          <a:p>
+            <a:pPr algn="ctr"/>
+            <a:endParaRPr kumimoji="1" lang="ja-JP" altLang="en-US"/>
+          </a:p>
+        </p:txBody>
+      </p:sp>
+    </p:spTree>
+    <p:extLst>
+      <p:ext uri="{BB962C8B-B14F-4D97-AF65-F5344CB8AC3E}">
+        <p14:creationId xmlns:p14="http://schemas.microsoft.com/office/powerpoint/2010/main" val="1270853622"/>
+      </p:ext>
+    </p:extLst>
+  </p:cSld>
+  <p:clrMapOvr>
+    <a:masterClrMapping/>
+  </p:clrMapOvr>
+</p:sld>
+</file>
+
+<file path=ppt/slides/slide5.xml><?xml version="1.0" encoding="utf-8"?>
+<p:sld xmlns:a="http://schemas.openxmlformats.org/drawingml/2006/main" xmlns:r="http://schemas.openxmlformats.org/officeDocument/2006/relationships" xmlns:p="http://schemas.openxmlformats.org/presentationml/2006/main">
+  <p:cSld>
+    <p:spTree>
+      <p:nvGrpSpPr>
+        <p:cNvPr id="1" name=""/>
+        <p:cNvGrpSpPr/>
+        <p:nvPr/>
+      </p:nvGrpSpPr>
+      <p:grpSpPr>
+        <a:xfrm>
+          <a:off x="0" y="0"/>
+          <a:ext cx="0" cy="0"/>
+          <a:chOff x="0" y="0"/>
+          <a:chExt cx="0" cy="0"/>
+        </a:xfrm>
+      </p:grpSpPr>
+      <p:pic>
+        <p:nvPicPr>
+          <p:cNvPr id="2" name="図 1">
+            <a:extLst>
+              <a:ext uri="{FF2B5EF4-FFF2-40B4-BE49-F238E27FC236}">
+                <a16:creationId xmlns:a16="http://schemas.microsoft.com/office/drawing/2014/main" id="{ECEAB18E-BDBC-05FB-969F-D9C3B93BD270}"/>
+              </a:ext>
+            </a:extLst>
+          </p:cNvPr>
+          <p:cNvPicPr>
+            <a:picLocks noChangeAspect="1"/>
+          </p:cNvPicPr>
+          <p:nvPr/>
+        </p:nvPicPr>
+        <p:blipFill>
+          <a:blip r:embed="rId2"/>
+          <a:stretch>
+            <a:fillRect/>
+          </a:stretch>
+        </p:blipFill>
+        <p:spPr>
+          <a:xfrm>
+            <a:off x="971600" y="3140968"/>
+            <a:ext cx="6192688" cy="3000465"/>
+          </a:xfrm>
+          <a:prstGeom prst="rect">
+            <a:avLst/>
+          </a:prstGeom>
+        </p:spPr>
+      </p:pic>
+      <p:sp>
+        <p:nvSpPr>
+          <p:cNvPr id="3" name="四角形: 角を丸くする 2">
+            <a:extLst>
+              <a:ext uri="{FF2B5EF4-FFF2-40B4-BE49-F238E27FC236}">
+                <a16:creationId xmlns:a16="http://schemas.microsoft.com/office/drawing/2014/main" id="{3206962C-0FC9-B2C8-AB29-43CB91A2AC9D}"/>
+              </a:ext>
+            </a:extLst>
+          </p:cNvPr>
+          <p:cNvSpPr/>
+          <p:nvPr/>
+        </p:nvSpPr>
+        <p:spPr>
+          <a:xfrm>
+            <a:off x="1629832" y="4313416"/>
+            <a:ext cx="2736304" cy="360040"/>
+          </a:xfrm>
+          <a:prstGeom prst="roundRect">
+            <a:avLst/>
+          </a:prstGeom>
+          <a:noFill/>
+          <a:ln w="38100">
+            <a:solidFill>
+              <a:srgbClr val="FF0000"/>
+            </a:solidFill>
+          </a:ln>
+        </p:spPr>
+        <p:style>
+          <a:lnRef idx="2">
+            <a:schemeClr val="accent1">
+              <a:shade val="50000"/>
+            </a:schemeClr>
+          </a:lnRef>
+          <a:fillRef idx="1">
+            <a:schemeClr val="accent1"/>
+          </a:fillRef>
+          <a:effectRef idx="0">
+            <a:schemeClr val="accent1"/>
+          </a:effectRef>
+          <a:fontRef idx="minor">
+            <a:schemeClr val="lt1"/>
+          </a:fontRef>
+        </p:style>
+        <p:txBody>
+          <a:bodyPr rtlCol="0" anchor="ctr"/>
+          <a:lstStyle/>
+          <a:p>
+            <a:pPr algn="ctr"/>
+            <a:endParaRPr kumimoji="1" lang="ja-JP" altLang="en-US"/>
+          </a:p>
+        </p:txBody>
+      </p:sp>
+      <p:sp>
+        <p:nvSpPr>
+          <p:cNvPr id="4" name="四角形: 角を丸くする 3">
+            <a:extLst>
+              <a:ext uri="{FF2B5EF4-FFF2-40B4-BE49-F238E27FC236}">
+                <a16:creationId xmlns:a16="http://schemas.microsoft.com/office/drawing/2014/main" id="{DCEFFFCC-635F-F4F8-93C7-66FBFF89C19B}"/>
+              </a:ext>
+            </a:extLst>
+          </p:cNvPr>
+          <p:cNvSpPr/>
+          <p:nvPr/>
+        </p:nvSpPr>
+        <p:spPr>
+          <a:xfrm>
+            <a:off x="1629832" y="3881368"/>
+            <a:ext cx="2736304" cy="360040"/>
+          </a:xfrm>
+          <a:prstGeom prst="roundRect">
+            <a:avLst/>
+          </a:prstGeom>
+          <a:noFill/>
+          <a:ln w="38100">
+            <a:solidFill>
+              <a:srgbClr val="FF0000"/>
+            </a:solidFill>
+          </a:ln>
+        </p:spPr>
+        <p:style>
+          <a:lnRef idx="2">
+            <a:schemeClr val="accent1">
+              <a:shade val="50000"/>
+            </a:schemeClr>
+          </a:lnRef>
+          <a:fillRef idx="1">
+            <a:schemeClr val="accent1"/>
+          </a:fillRef>
+          <a:effectRef idx="0">
+            <a:schemeClr val="accent1"/>
+          </a:effectRef>
+          <a:fontRef idx="minor">
+            <a:schemeClr val="lt1"/>
+          </a:fontRef>
+        </p:style>
+        <p:txBody>
+          <a:bodyPr rtlCol="0" anchor="ctr"/>
+          <a:lstStyle/>
+          <a:p>
+            <a:pPr algn="ctr"/>
+            <a:endParaRPr kumimoji="1" lang="ja-JP" altLang="en-US"/>
+          </a:p>
+        </p:txBody>
+      </p:sp>
+    </p:spTree>
+    <p:extLst>
+      <p:ext uri="{BB962C8B-B14F-4D97-AF65-F5344CB8AC3E}">
+        <p14:creationId xmlns:p14="http://schemas.microsoft.com/office/powerpoint/2010/main" val="823852412"/>
       </p:ext>
     </p:extLst>
   </p:cSld>
